--- a/2017/diploma/ZinovyevaAnna/slides/slides.pptx
+++ b/2017/diploma/ZinovyevaAnna/slides/slides.pptx
@@ -5,7 +5,7 @@
     <p:sldMasterId id="2147483659" r:id="rId1"/>
   </p:sldMasterIdLst>
   <p:notesMasterIdLst>
-    <p:notesMasterId r:id="rId14"/>
+    <p:notesMasterId r:id="rId16"/>
   </p:notesMasterIdLst>
   <p:sldIdLst>
     <p:sldId id="256" r:id="rId2"/>
@@ -16,10 +16,12 @@
     <p:sldId id="261" r:id="rId7"/>
     <p:sldId id="262" r:id="rId8"/>
     <p:sldId id="263" r:id="rId9"/>
-    <p:sldId id="264" r:id="rId10"/>
-    <p:sldId id="268" r:id="rId11"/>
-    <p:sldId id="269" r:id="rId12"/>
-    <p:sldId id="267" r:id="rId13"/>
+    <p:sldId id="270" r:id="rId10"/>
+    <p:sldId id="271" r:id="rId11"/>
+    <p:sldId id="264" r:id="rId12"/>
+    <p:sldId id="268" r:id="rId13"/>
+    <p:sldId id="269" r:id="rId14"/>
+    <p:sldId id="267" r:id="rId15"/>
   </p:sldIdLst>
   <p:sldSz cx="9144000" cy="5143500" type="screen16x9"/>
   <p:notesSz cx="6858000" cy="9144000"/>
@@ -225,6 +227,11 @@
       </a:defRPr>
     </a:lvl9pPr>
   </p:defaultTextStyle>
+  <p:extLst>
+    <p:ext uri="{EFAFB233-063F-42B5-8137-9DF3F51BA10A}">
+      <p15:sldGuideLst xmlns:p15="http://schemas.microsoft.com/office/powerpoint/2012/main"/>
+    </p:ext>
+  </p:extLst>
 </p:presentation>
 </file>
 
@@ -568,11 +575,11 @@
           <c:showPercent val="0"/>
           <c:showBubbleSize val="0"/>
         </c:dLbls>
-        <c:axId val="414245752"/>
-        <c:axId val="414245360"/>
+        <c:axId val="322235512"/>
+        <c:axId val="322233552"/>
       </c:scatterChart>
       <c:valAx>
-        <c:axId val="414245752"/>
+        <c:axId val="322235512"/>
         <c:scaling>
           <c:orientation val="minMax"/>
         </c:scaling>
@@ -685,12 +692,12 @@
             <a:endParaRPr lang="ru-RU"/>
           </a:p>
         </c:txPr>
-        <c:crossAx val="414245360"/>
+        <c:crossAx val="322233552"/>
         <c:crosses val="autoZero"/>
         <c:crossBetween val="midCat"/>
       </c:valAx>
       <c:valAx>
-        <c:axId val="414245360"/>
+        <c:axId val="322233552"/>
         <c:scaling>
           <c:orientation val="minMax"/>
         </c:scaling>
@@ -803,7 +810,7 @@
             <a:endParaRPr lang="ru-RU"/>
           </a:p>
         </c:txPr>
-        <c:crossAx val="414245752"/>
+        <c:crossAx val="322235512"/>
         <c:crosses val="autoZero"/>
         <c:crossBetween val="midCat"/>
       </c:valAx>
@@ -1411,11 +1418,11 @@
           <c:showPercent val="0"/>
           <c:showBubbleSize val="0"/>
         </c:dLbls>
-        <c:axId val="11116712"/>
-        <c:axId val="11115144"/>
+        <c:axId val="322236296"/>
+        <c:axId val="322233944"/>
       </c:scatterChart>
       <c:valAx>
-        <c:axId val="11116712"/>
+        <c:axId val="322236296"/>
         <c:scaling>
           <c:orientation val="minMax"/>
         </c:scaling>
@@ -1529,12 +1536,12 @@
             <a:endParaRPr lang="ru-RU"/>
           </a:p>
         </c:txPr>
-        <c:crossAx val="11115144"/>
+        <c:crossAx val="322233944"/>
         <c:crosses val="autoZero"/>
         <c:crossBetween val="midCat"/>
       </c:valAx>
       <c:valAx>
-        <c:axId val="11115144"/>
+        <c:axId val="322233944"/>
         <c:scaling>
           <c:orientation val="minMax"/>
         </c:scaling>
@@ -1652,7 +1659,7 @@
             <a:endParaRPr lang="ru-RU"/>
           </a:p>
         </c:txPr>
-        <c:crossAx val="11116712"/>
+        <c:crossAx val="322236296"/>
         <c:crosses val="autoZero"/>
         <c:crossBetween val="midCat"/>
       </c:valAx>
@@ -7580,6 +7587,521 @@
           <a:p>
             <a:r>
               <a:rPr lang="ru-RU" dirty="0" smtClean="0"/>
+              <a:t>Реализация</a:t>
+            </a:r>
+            <a:endParaRPr lang="ru-RU" dirty="0"/>
+          </a:p>
+        </p:txBody>
+      </p:sp>
+      <p:sp>
+        <p:nvSpPr>
+          <p:cNvPr id="5" name="Прямоугольник 4"/>
+          <p:cNvSpPr/>
+          <p:nvPr/>
+        </p:nvSpPr>
+        <p:spPr>
+          <a:xfrm>
+            <a:off x="404166" y="1275764"/>
+            <a:ext cx="8185030" cy="2800767"/>
+          </a:xfrm>
+          <a:prstGeom prst="rect">
+            <a:avLst/>
+          </a:prstGeom>
+        </p:spPr>
+        <p:txBody>
+          <a:bodyPr wrap="square">
+            <a:spAutoFit/>
+          </a:bodyPr>
+          <a:lstStyle/>
+          <a:p>
+            <a:pPr lvl="2" fontAlgn="base">
+              <a:spcAft>
+                <a:spcPts val="1200"/>
+              </a:spcAft>
+              <a:buFont typeface="Arial" panose="020B0604020202020204" pitchFamily="34" charset="0"/>
+              <a:buChar char="•"/>
+            </a:pPr>
+            <a:r>
+              <a:rPr lang="ru-RU" sz="1800" dirty="0" smtClean="0">
+                <a:solidFill>
+                  <a:schemeClr val="accent2">
+                    <a:lumMod val="75000"/>
+                    <a:lumOff val="25000"/>
+                  </a:schemeClr>
+                </a:solidFill>
+                <a:latin typeface="Arial" panose="020B0604020202020204" pitchFamily="34" charset="0"/>
+              </a:rPr>
+              <a:t>   </a:t>
+            </a:r>
+            <a:r>
+              <a:rPr lang="ru-RU" sz="1800" dirty="0" err="1" smtClean="0">
+                <a:solidFill>
+                  <a:schemeClr val="accent2">
+                    <a:lumMod val="75000"/>
+                    <a:lumOff val="25000"/>
+                  </a:schemeClr>
+                </a:solidFill>
+                <a:latin typeface="Arial" panose="020B0604020202020204" pitchFamily="34" charset="0"/>
+              </a:rPr>
+              <a:t>YaccConstructor</a:t>
+            </a:r>
+            <a:r>
+              <a:rPr lang="ru-RU" sz="1800" dirty="0" smtClean="0">
+                <a:solidFill>
+                  <a:schemeClr val="accent2">
+                    <a:lumMod val="75000"/>
+                    <a:lumOff val="25000"/>
+                  </a:schemeClr>
+                </a:solidFill>
+                <a:latin typeface="Arial" panose="020B0604020202020204" pitchFamily="34" charset="0"/>
+              </a:rPr>
+              <a:t> </a:t>
+            </a:r>
+            <a:r>
+              <a:rPr lang="ru-RU" sz="1800" dirty="0">
+                <a:solidFill>
+                  <a:schemeClr val="accent2">
+                    <a:lumMod val="75000"/>
+                    <a:lumOff val="25000"/>
+                  </a:schemeClr>
+                </a:solidFill>
+                <a:latin typeface="Arial" panose="020B0604020202020204" pitchFamily="34" charset="0"/>
+              </a:rPr>
+              <a:t>имеет модульную </a:t>
+            </a:r>
+            <a:r>
+              <a:rPr lang="ru-RU" sz="1800" dirty="0" smtClean="0">
+                <a:solidFill>
+                  <a:schemeClr val="accent2">
+                    <a:lumMod val="75000"/>
+                    <a:lumOff val="25000"/>
+                  </a:schemeClr>
+                </a:solidFill>
+                <a:latin typeface="Arial" panose="020B0604020202020204" pitchFamily="34" charset="0"/>
+              </a:rPr>
+              <a:t>структуру</a:t>
+            </a:r>
+            <a:endParaRPr lang="ru-RU" sz="1800" dirty="0">
+              <a:solidFill>
+                <a:schemeClr val="accent2">
+                  <a:lumMod val="75000"/>
+                  <a:lumOff val="25000"/>
+                </a:schemeClr>
+              </a:solidFill>
+              <a:latin typeface="Arial" panose="020B0604020202020204" pitchFamily="34" charset="0"/>
+            </a:endParaRPr>
+          </a:p>
+          <a:p>
+            <a:pPr fontAlgn="base">
+              <a:spcAft>
+                <a:spcPts val="1200"/>
+              </a:spcAft>
+              <a:buFont typeface="Arial" panose="020B0604020202020204" pitchFamily="34" charset="0"/>
+              <a:buChar char="•"/>
+            </a:pPr>
+            <a:r>
+              <a:rPr lang="ru-RU" sz="1800" dirty="0" smtClean="0">
+                <a:solidFill>
+                  <a:schemeClr val="accent2">
+                    <a:lumMod val="75000"/>
+                    <a:lumOff val="25000"/>
+                  </a:schemeClr>
+                </a:solidFill>
+              </a:rPr>
+              <a:t>   </a:t>
+            </a:r>
+            <a:r>
+              <a:rPr lang="ru-RU" sz="1800" dirty="0" err="1" smtClean="0">
+                <a:solidFill>
+                  <a:schemeClr val="accent2">
+                    <a:lumMod val="75000"/>
+                    <a:lumOff val="25000"/>
+                  </a:schemeClr>
+                </a:solidFill>
+              </a:rPr>
+              <a:t>Фронтенды</a:t>
+            </a:r>
+            <a:r>
+              <a:rPr lang="ru-RU" sz="1800" dirty="0" smtClean="0">
+                <a:solidFill>
+                  <a:schemeClr val="accent2">
+                    <a:lumMod val="75000"/>
+                    <a:lumOff val="25000"/>
+                  </a:schemeClr>
+                </a:solidFill>
+              </a:rPr>
+              <a:t> </a:t>
+            </a:r>
+            <a:r>
+              <a:rPr lang="ru-RU" sz="1800" dirty="0">
+                <a:solidFill>
+                  <a:schemeClr val="accent2">
+                    <a:lumMod val="75000"/>
+                    <a:lumOff val="25000"/>
+                  </a:schemeClr>
+                </a:solidFill>
+              </a:rPr>
+              <a:t>- модули, которые из входных данных пользователя создают представление грамматики в </a:t>
+            </a:r>
+            <a:r>
+              <a:rPr lang="en-US" sz="1800" dirty="0" smtClean="0">
+                <a:solidFill>
+                  <a:schemeClr val="accent2">
+                    <a:lumMod val="75000"/>
+                    <a:lumOff val="25000"/>
+                  </a:schemeClr>
+                </a:solidFill>
+              </a:rPr>
+              <a:t>YARD.</a:t>
+            </a:r>
+            <a:r>
+              <a:rPr lang="ru-RU" sz="1800" dirty="0" smtClean="0">
+                <a:solidFill>
+                  <a:schemeClr val="accent2">
+                    <a:lumMod val="75000"/>
+                    <a:lumOff val="25000"/>
+                  </a:schemeClr>
+                </a:solidFill>
+              </a:rPr>
+              <a:t>IL</a:t>
+            </a:r>
+            <a:endParaRPr lang="ru-RU" sz="1800" dirty="0">
+              <a:solidFill>
+                <a:schemeClr val="accent2">
+                  <a:lumMod val="75000"/>
+                  <a:lumOff val="25000"/>
+                </a:schemeClr>
+              </a:solidFill>
+              <a:latin typeface="Arial" panose="020B0604020202020204" pitchFamily="34" charset="0"/>
+            </a:endParaRPr>
+          </a:p>
+          <a:p>
+            <a:pPr fontAlgn="base">
+              <a:spcAft>
+                <a:spcPts val="1200"/>
+              </a:spcAft>
+              <a:buFont typeface="Arial" panose="020B0604020202020204" pitchFamily="34" charset="0"/>
+              <a:buChar char="•"/>
+            </a:pPr>
+            <a:r>
+              <a:rPr lang="ru-RU" sz="1800" dirty="0" smtClean="0">
+                <a:solidFill>
+                  <a:schemeClr val="accent2">
+                    <a:lumMod val="75000"/>
+                    <a:lumOff val="25000"/>
+                  </a:schemeClr>
+                </a:solidFill>
+                <a:latin typeface="Arial" panose="020B0604020202020204" pitchFamily="34" charset="0"/>
+              </a:rPr>
+              <a:t>   Был </a:t>
+            </a:r>
+            <a:r>
+              <a:rPr lang="ru-RU" sz="1800" dirty="0">
+                <a:solidFill>
+                  <a:schemeClr val="accent2">
+                    <a:lumMod val="75000"/>
+                    <a:lumOff val="25000"/>
+                  </a:schemeClr>
+                </a:solidFill>
+                <a:latin typeface="Arial" panose="020B0604020202020204" pitchFamily="34" charset="0"/>
+              </a:rPr>
+              <a:t>оформлен </a:t>
+            </a:r>
+            <a:r>
+              <a:rPr lang="ru-RU" sz="1800" dirty="0" err="1">
+                <a:solidFill>
+                  <a:schemeClr val="accent2">
+                    <a:lumMod val="75000"/>
+                    <a:lumOff val="25000"/>
+                  </a:schemeClr>
+                </a:solidFill>
+                <a:latin typeface="Arial" panose="020B0604020202020204" pitchFamily="34" charset="0"/>
+              </a:rPr>
+              <a:t>фронтенд</a:t>
+            </a:r>
+            <a:r>
+              <a:rPr lang="ru-RU" sz="1800" dirty="0">
+                <a:solidFill>
+                  <a:schemeClr val="accent2">
+                    <a:lumMod val="75000"/>
+                    <a:lumOff val="25000"/>
+                  </a:schemeClr>
+                </a:solidFill>
+                <a:latin typeface="Arial" panose="020B0604020202020204" pitchFamily="34" charset="0"/>
+              </a:rPr>
+              <a:t> для данного алгоритма с возможностью</a:t>
+            </a:r>
+          </a:p>
+          <a:p>
+            <a:pPr marL="742950" lvl="1" indent="-285750" fontAlgn="base">
+              <a:spcAft>
+                <a:spcPts val="1200"/>
+              </a:spcAft>
+              <a:buFont typeface="Arial" panose="020B0604020202020204" pitchFamily="34" charset="0"/>
+              <a:buChar char="•"/>
+            </a:pPr>
+            <a:r>
+              <a:rPr lang="ru-RU" sz="1800" dirty="0">
+                <a:solidFill>
+                  <a:schemeClr val="accent2">
+                    <a:lumMod val="75000"/>
+                    <a:lumOff val="25000"/>
+                  </a:schemeClr>
+                </a:solidFill>
+                <a:latin typeface="Arial" panose="020B0604020202020204" pitchFamily="34" charset="0"/>
+              </a:rPr>
+              <a:t>Сжать строку без специальных символов</a:t>
+            </a:r>
+          </a:p>
+          <a:p>
+            <a:pPr marL="742950" lvl="1" indent="-285750" fontAlgn="base">
+              <a:spcAft>
+                <a:spcPts val="1200"/>
+              </a:spcAft>
+              <a:buFont typeface="Arial" panose="020B0604020202020204" pitchFamily="34" charset="0"/>
+              <a:buChar char="•"/>
+            </a:pPr>
+            <a:r>
+              <a:rPr lang="ru-RU" sz="1800" dirty="0">
+                <a:solidFill>
+                  <a:schemeClr val="accent2">
+                    <a:lumMod val="75000"/>
+                    <a:lumOff val="25000"/>
+                  </a:schemeClr>
+                </a:solidFill>
+                <a:latin typeface="Arial" panose="020B0604020202020204" pitchFamily="34" charset="0"/>
+              </a:rPr>
+              <a:t>Сжать строку со специальными символами</a:t>
+            </a:r>
+          </a:p>
+          <a:p>
+            <a:pPr marL="742950" lvl="1" indent="-285750" fontAlgn="base">
+              <a:spcAft>
+                <a:spcPts val="1200"/>
+              </a:spcAft>
+              <a:buFont typeface="Arial" panose="020B0604020202020204" pitchFamily="34" charset="0"/>
+              <a:buChar char="•"/>
+            </a:pPr>
+            <a:r>
+              <a:rPr lang="ru-RU" sz="1800" dirty="0">
+                <a:solidFill>
+                  <a:schemeClr val="accent2">
+                    <a:lumMod val="75000"/>
+                    <a:lumOff val="25000"/>
+                  </a:schemeClr>
+                </a:solidFill>
+                <a:latin typeface="Arial" panose="020B0604020202020204" pitchFamily="34" charset="0"/>
+              </a:rPr>
+              <a:t>Сжать массив строк</a:t>
+            </a:r>
+          </a:p>
+        </p:txBody>
+      </p:sp>
+    </p:spTree>
+    <p:extLst>
+      <p:ext uri="{BB962C8B-B14F-4D97-AF65-F5344CB8AC3E}">
+        <p14:creationId xmlns:p14="http://schemas.microsoft.com/office/powerpoint/2010/main" val="2085698608"/>
+      </p:ext>
+    </p:extLst>
+  </p:cSld>
+  <p:clrMapOvr>
+    <a:masterClrMapping/>
+  </p:clrMapOvr>
+</p:sld>
+</file>
+
+<file path=ppt/slides/slide11.xml><?xml version="1.0" encoding="utf-8"?>
+<p:sld xmlns:a="http://schemas.openxmlformats.org/drawingml/2006/main" xmlns:r="http://schemas.openxmlformats.org/officeDocument/2006/relationships" xmlns:p="http://schemas.openxmlformats.org/presentationml/2006/main">
+  <p:cSld>
+    <p:spTree>
+      <p:nvGrpSpPr>
+        <p:cNvPr id="1" name="Shape 102"/>
+        <p:cNvGrpSpPr/>
+        <p:nvPr/>
+      </p:nvGrpSpPr>
+      <p:grpSpPr>
+        <a:xfrm>
+          <a:off x="0" y="0"/>
+          <a:ext cx="0" cy="0"/>
+          <a:chOff x="0" y="0"/>
+          <a:chExt cx="0" cy="0"/>
+        </a:xfrm>
+      </p:grpSpPr>
+      <p:sp>
+        <p:nvSpPr>
+          <p:cNvPr id="103" name="Shape 103"/>
+          <p:cNvSpPr txBox="1">
+            <a:spLocks noGrp="1"/>
+          </p:cNvSpPr>
+          <p:nvPr>
+            <p:ph type="title"/>
+          </p:nvPr>
+        </p:nvSpPr>
+        <p:spPr>
+          <a:xfrm>
+            <a:off x="311700" y="445025"/>
+            <a:ext cx="8520600" cy="572700"/>
+          </a:xfrm>
+          <a:prstGeom prst="rect">
+            <a:avLst/>
+          </a:prstGeom>
+        </p:spPr>
+        <p:txBody>
+          <a:bodyPr wrap="square" lIns="91425" tIns="91425" rIns="91425" bIns="91425" anchor="t" anchorCtr="0">
+            <a:noAutofit/>
+          </a:bodyPr>
+          <a:lstStyle/>
+          <a:p>
+            <a:pPr lvl="0">
+              <a:spcBef>
+                <a:spcPts val="0"/>
+              </a:spcBef>
+              <a:buNone/>
+            </a:pPr>
+            <a:r>
+              <a:rPr lang="ru"/>
+              <a:t>Эксперимент</a:t>
+            </a:r>
+          </a:p>
+        </p:txBody>
+      </p:sp>
+      <p:sp>
+        <p:nvSpPr>
+          <p:cNvPr id="104" name="Shape 104"/>
+          <p:cNvSpPr txBox="1">
+            <a:spLocks noGrp="1"/>
+          </p:cNvSpPr>
+          <p:nvPr>
+            <p:ph type="body" idx="1"/>
+          </p:nvPr>
+        </p:nvSpPr>
+        <p:spPr>
+          <a:xfrm>
+            <a:off x="311700" y="1152475"/>
+            <a:ext cx="8520600" cy="3416400"/>
+          </a:xfrm>
+          <a:prstGeom prst="rect">
+            <a:avLst/>
+          </a:prstGeom>
+        </p:spPr>
+        <p:txBody>
+          <a:bodyPr wrap="square" lIns="91425" tIns="91425" rIns="91425" bIns="91425" anchor="t" anchorCtr="0">
+            <a:noAutofit/>
+          </a:bodyPr>
+          <a:lstStyle/>
+          <a:p>
+            <a:pPr marL="457200" lvl="0" indent="-342900">
+              <a:spcBef>
+                <a:spcPts val="0"/>
+              </a:spcBef>
+              <a:buFont typeface="Arial" panose="020B0604020202020204" pitchFamily="34" charset="0"/>
+              <a:buChar char="•"/>
+            </a:pPr>
+            <a:r>
+              <a:rPr lang="ru" dirty="0"/>
+              <a:t>Для проверки эффективности решения из </a:t>
+            </a:r>
+            <a:r>
+              <a:rPr lang="ru" dirty="0" smtClean="0"/>
+              <a:t>базы данных SILVA </a:t>
+            </a:r>
+            <a:r>
+              <a:rPr lang="ru" dirty="0"/>
+              <a:t>была взята последовательность 16s РНК бактерий</a:t>
+            </a:r>
+          </a:p>
+          <a:p>
+            <a:pPr marL="457200" lvl="0" indent="-342900">
+              <a:spcBef>
+                <a:spcPts val="0"/>
+              </a:spcBef>
+              <a:buFont typeface="Arial" panose="020B0604020202020204" pitchFamily="34" charset="0"/>
+              <a:buChar char="•"/>
+            </a:pPr>
+            <a:r>
+              <a:rPr lang="ru" dirty="0"/>
+              <a:t>Каждая цепочка состоит примерно из 1500 нуклеотидов, то есть последовательность символов из алфавита {A; C; G; T}</a:t>
+            </a:r>
+          </a:p>
+          <a:p>
+            <a:pPr marL="457200" lvl="0" indent="-342900">
+              <a:spcBef>
+                <a:spcPts val="0"/>
+              </a:spcBef>
+              <a:buFont typeface="Arial" panose="020B0604020202020204" pitchFamily="34" charset="0"/>
+              <a:buChar char="•"/>
+            </a:pPr>
+            <a:r>
+              <a:rPr lang="ru" dirty="0"/>
+              <a:t>Данные последовательности были склеены через специальный символом &amp; и переданы на вход </a:t>
+            </a:r>
+            <a:r>
+              <a:rPr lang="ru" dirty="0" smtClean="0"/>
+              <a:t>алгоритму</a:t>
+            </a:r>
+            <a:endParaRPr lang="ru" dirty="0"/>
+          </a:p>
+          <a:p>
+            <a:pPr marL="285750" lvl="0" indent="-285750">
+              <a:spcBef>
+                <a:spcPts val="0"/>
+              </a:spcBef>
+              <a:buFont typeface="Arial" panose="020B0604020202020204" pitchFamily="34" charset="0"/>
+              <a:buChar char="•"/>
+            </a:pPr>
+            <a:endParaRPr dirty="0"/>
+          </a:p>
+        </p:txBody>
+      </p:sp>
+    </p:spTree>
+  </p:cSld>
+  <p:clrMapOvr>
+    <a:masterClrMapping/>
+  </p:clrMapOvr>
+  <p:timing>
+    <p:tnLst>
+      <p:par>
+        <p:cTn id="1" dur="indefinite" restart="never" nodeType="tmRoot"/>
+      </p:par>
+    </p:tnLst>
+  </p:timing>
+</p:sld>
+</file>
+
+<file path=ppt/slides/slide12.xml><?xml version="1.0" encoding="utf-8"?>
+<p:sld xmlns:a="http://schemas.openxmlformats.org/drawingml/2006/main" xmlns:r="http://schemas.openxmlformats.org/officeDocument/2006/relationships" xmlns:p="http://schemas.openxmlformats.org/presentationml/2006/main">
+  <p:cSld>
+    <p:spTree>
+      <p:nvGrpSpPr>
+        <p:cNvPr id="1" name=""/>
+        <p:cNvGrpSpPr/>
+        <p:nvPr/>
+      </p:nvGrpSpPr>
+      <p:grpSpPr>
+        <a:xfrm>
+          <a:off x="0" y="0"/>
+          <a:ext cx="0" cy="0"/>
+          <a:chOff x="0" y="0"/>
+          <a:chExt cx="0" cy="0"/>
+        </a:xfrm>
+      </p:grpSpPr>
+      <p:sp>
+        <p:nvSpPr>
+          <p:cNvPr id="2" name="Заголовок 1"/>
+          <p:cNvSpPr>
+            <a:spLocks noGrp="1"/>
+          </p:cNvSpPr>
+          <p:nvPr>
+            <p:ph type="title"/>
+          </p:nvPr>
+        </p:nvSpPr>
+        <p:spPr/>
+        <p:txBody>
+          <a:bodyPr/>
+          <a:lstStyle/>
+          <a:p>
+            <a:r>
+              <a:rPr lang="ru-RU" dirty="0" smtClean="0"/>
               <a:t>Эффективность</a:t>
             </a:r>
             <a:endParaRPr lang="ru-RU" dirty="0"/>
@@ -7628,7 +8150,7 @@
 </p:sld>
 </file>
 
-<file path=ppt/slides/slide11.xml><?xml version="1.0" encoding="utf-8"?>
+<file path=ppt/slides/slide13.xml><?xml version="1.0" encoding="utf-8"?>
 <p:sld xmlns:a="http://schemas.openxmlformats.org/drawingml/2006/main" xmlns:r="http://schemas.openxmlformats.org/officeDocument/2006/relationships" xmlns:p="http://schemas.openxmlformats.org/presentationml/2006/main">
   <p:cSld>
     <p:spTree>
@@ -7710,7 +8232,7 @@
 </p:sld>
 </file>
 
-<file path=ppt/slides/slide12.xml><?xml version="1.0" encoding="utf-8"?>
+<file path=ppt/slides/slide14.xml><?xml version="1.0" encoding="utf-8"?>
 <p:sld xmlns:a="http://schemas.openxmlformats.org/drawingml/2006/main" xmlns:r="http://schemas.openxmlformats.org/officeDocument/2006/relationships" xmlns:p="http://schemas.openxmlformats.org/presentationml/2006/main">
   <p:cSld>
     <p:spTree>
@@ -7834,7 +8356,11 @@
             </a:pPr>
             <a:r>
               <a:rPr lang="ru" dirty="0"/>
-              <a:t>Оформлен фронтенд к YaccConstructor для построения грамматики из строки в формате YARD.IL</a:t>
+              <a:t>Оформлен фронтенд к YaccConstructor для построения грамматики из строки в формате </a:t>
+            </a:r>
+            <a:r>
+              <a:rPr lang="ru" dirty="0" smtClean="0"/>
+              <a:t>YARD.IL</a:t>
             </a:r>
           </a:p>
           <a:p>
@@ -7849,24 +8375,12 @@
               <a:buChar char="•"/>
             </a:pPr>
             <a:r>
+              <a:rPr lang="ru" dirty="0" smtClean="0"/>
+              <a:t>Проверена </a:t>
+            </a:r>
+            <a:r>
               <a:rPr lang="ru" dirty="0"/>
-              <a:t>Проведено тестирование с помощью системы NUnit</a:t>
-            </a:r>
-          </a:p>
-          <a:p>
-            <a:pPr marL="457200" lvl="0" indent="-342900">
-              <a:lnSpc>
-                <a:spcPct val="100000"/>
-              </a:lnSpc>
-              <a:spcBef>
-                <a:spcPts val="0"/>
-              </a:spcBef>
-              <a:buFont typeface="Arial" panose="020B0604020202020204" pitchFamily="34" charset="0"/>
-              <a:buChar char="•"/>
-            </a:pPr>
-            <a:r>
-              <a:rPr lang="ru" dirty="0"/>
-              <a:t>Проверена эффективность и производительность данного алгоритма на последовательностях РНК</a:t>
+              <a:t>эффективность и производительность данного алгоритма на последовательностях РНК</a:t>
             </a:r>
           </a:p>
         </p:txBody>
@@ -7974,8 +8488,20 @@
               <a:buChar char="•"/>
             </a:pPr>
             <a:r>
+              <a:rPr lang="ru" dirty="0" smtClean="0"/>
+              <a:t>Информация</a:t>
+            </a:r>
+            <a:r>
+              <a:rPr lang="en-US" dirty="0" smtClean="0"/>
+              <a:t> </a:t>
+            </a:r>
+            <a:r>
+              <a:rPr lang="ru" dirty="0" smtClean="0"/>
+              <a:t>может </a:t>
+            </a:r>
+            <a:r>
               <a:rPr lang="ru" dirty="0"/>
-              <a:t>Информация, например текст или музыка, может содержать повторяющиеся фрагменты, которые также могут содержать повторяющиеся фрагменты и так далее</a:t>
+              <a:t>содержать повторяющиеся фрагменты, которые также могут содержать повторяющиеся фрагменты и так далее</a:t>
             </a:r>
           </a:p>
           <a:p>
@@ -8000,9 +8526,14 @@
               <a:buChar char="•"/>
             </a:pPr>
             <a:r>
-              <a:rPr lang="ru" dirty="0"/>
-              <a:t>Последовательности ДНК и РНК, содержащие всего 4 разновидности символов, часто имеют много общих подпоследовательностей</a:t>
-            </a:r>
+              <a:rPr lang="ru-RU" dirty="0"/>
+              <a:t>М</a:t>
+            </a:r>
+            <a:r>
+              <a:rPr lang="ru-RU" dirty="0" smtClean="0"/>
+              <a:t>ожно создать грамматику с правилами, которые будут описывать эти повторяющиеся фрагменты</a:t>
+            </a:r>
+            <a:endParaRPr lang="ru" dirty="0"/>
           </a:p>
           <a:p>
             <a:pPr marL="457200" lvl="0" indent="-342900">
@@ -8133,8 +8664,13 @@
             </a:pPr>
             <a:r>
               <a:rPr lang="ru" dirty="0"/>
-              <a:t>Для реализации возможности сжатия текстовой строки в грамматику в YaccConstructor были поставлены следующие задачи:</a:t>
-            </a:r>
+              <a:t>Для реализации возможности сжатия текстовой строки в грамматику в YaccConstructor были поставлены следующие </a:t>
+            </a:r>
+            <a:r>
+              <a:rPr lang="ru" dirty="0" smtClean="0"/>
+              <a:t>задачи</a:t>
+            </a:r>
+            <a:endParaRPr lang="ru" dirty="0"/>
           </a:p>
           <a:p>
             <a:pPr marL="457200" lvl="0" indent="-342900" rtl="0">
@@ -8152,8 +8688,17 @@
             </a:pPr>
             <a:r>
               <a:rPr lang="ru" dirty="0"/>
-              <a:t>Реализовать алгоритм сжатия строки</a:t>
-            </a:r>
+              <a:t>Реализовать алгоритм сжатия </a:t>
+            </a:r>
+            <a:r>
+              <a:rPr lang="ru" dirty="0" smtClean="0"/>
+              <a:t>строки </a:t>
+            </a:r>
+            <a:r>
+              <a:rPr lang="en-US" dirty="0" smtClean="0"/>
+              <a:t>Sequitur</a:t>
+            </a:r>
+            <a:endParaRPr lang="ru" dirty="0"/>
           </a:p>
           <a:p>
             <a:pPr marL="457200" lvl="0" indent="-342900" rtl="0">
@@ -8209,8 +8754,13 @@
             </a:pPr>
             <a:r>
               <a:rPr lang="ru" dirty="0"/>
-              <a:t>Оформить фронтенд для данного алгоритма  к YaccConstructor</a:t>
-            </a:r>
+              <a:t>Оформить фронтенд для данного алгоритма  к </a:t>
+            </a:r>
+            <a:r>
+              <a:rPr lang="ru" dirty="0" smtClean="0"/>
+              <a:t>YaccConstructor</a:t>
+            </a:r>
+            <a:endParaRPr lang="en-US" dirty="0"/>
           </a:p>
           <a:p>
             <a:pPr marL="457200" lvl="0" indent="-342900" rtl="0">
@@ -8227,27 +8777,12 @@
               <a:buChar char="•"/>
             </a:pPr>
             <a:r>
+              <a:rPr lang="ru" dirty="0" smtClean="0"/>
+              <a:t>Проверить </a:t>
+            </a:r>
+            <a:r>
               <a:rPr lang="ru" dirty="0"/>
-              <a:t>Протестировать решение</a:t>
-            </a:r>
-          </a:p>
-          <a:p>
-            <a:pPr marL="457200" lvl="0" indent="-342900" rtl="0">
-              <a:lnSpc>
-                <a:spcPct val="100000"/>
-              </a:lnSpc>
-              <a:spcBef>
-                <a:spcPts val="0"/>
-              </a:spcBef>
-              <a:spcAft>
-                <a:spcPts val="1200"/>
-              </a:spcAft>
-              <a:buFont typeface="Arial" panose="020B0604020202020204" pitchFamily="34" charset="0"/>
-              <a:buChar char="•"/>
-            </a:pPr>
-            <a:r>
-              <a:rPr lang="ru" dirty="0"/>
-              <a:t>Проверить эффективность данного решения</a:t>
+              <a:t>эффективность данного решения</a:t>
             </a:r>
             <a:br>
               <a:rPr lang="ru" dirty="0"/>
@@ -8439,7 +8974,23 @@
             </a:pPr>
             <a:r>
               <a:rPr lang="ru" dirty="0"/>
-              <a:t>Ищет повторяющиеся пары символов и заменяет их на нетерминальные</a:t>
+              <a:t>Ищет повторяющиеся </a:t>
+            </a:r>
+            <a:r>
+              <a:rPr lang="ru-RU" dirty="0" err="1" smtClean="0"/>
+              <a:t>диграмы</a:t>
+            </a:r>
+            <a:r>
+              <a:rPr lang="ru-RU" dirty="0" smtClean="0"/>
+              <a:t> (</a:t>
+            </a:r>
+            <a:r>
+              <a:rPr lang="ru" dirty="0" smtClean="0"/>
+              <a:t>пары рядом стоящих символов) </a:t>
+            </a:r>
+            <a:r>
+              <a:rPr lang="ru" dirty="0"/>
+              <a:t>и заменяет их на нетерминальные</a:t>
             </a:r>
           </a:p>
           <a:p>
@@ -8458,46 +9009,13 @@
             </a:pPr>
             <a:r>
               <a:rPr lang="ru" dirty="0"/>
-              <a:t>Результатом алгоритма является контекстно-свободная грамматика</a:t>
-            </a:r>
-          </a:p>
-          <a:p>
-            <a:pPr marL="457200" lvl="0" indent="-342900" rtl="0">
-              <a:lnSpc>
-                <a:spcPct val="100000"/>
-              </a:lnSpc>
-              <a:spcBef>
-                <a:spcPts val="0"/>
-              </a:spcBef>
-              <a:spcAft>
-                <a:spcPts val="1200"/>
-              </a:spcAft>
-              <a:buFont typeface="Arial" panose="020B0604020202020204" pitchFamily="34" charset="0"/>
-              <a:buChar char="•"/>
-            </a:pPr>
-            <a:r>
-              <a:rPr lang="ru" dirty="0"/>
-              <a:t>Работает за линейное время</a:t>
-            </a:r>
-          </a:p>
-          <a:p>
-            <a:pPr marL="457200" lvl="0" indent="-342900">
-              <a:lnSpc>
-                <a:spcPct val="100000"/>
-              </a:lnSpc>
-              <a:spcBef>
-                <a:spcPts val="0"/>
-              </a:spcBef>
-              <a:spcAft>
-                <a:spcPts val="1200"/>
-              </a:spcAft>
-              <a:buFont typeface="Arial" panose="020B0604020202020204" pitchFamily="34" charset="0"/>
-              <a:buChar char="•"/>
-            </a:pPr>
-            <a:r>
-              <a:rPr lang="ru" dirty="0"/>
-              <a:t>Может использоваться для сжатия данных</a:t>
-            </a:r>
+              <a:t>Результатом алгоритма является контекстно-свободная </a:t>
+            </a:r>
+            <a:r>
+              <a:rPr lang="ru" dirty="0" smtClean="0"/>
+              <a:t>грамматика</a:t>
+            </a:r>
+            <a:endParaRPr lang="ru" dirty="0"/>
           </a:p>
         </p:txBody>
       </p:sp>
@@ -8609,9 +9127,14 @@
               <a:buNone/>
             </a:pPr>
             <a:r>
-              <a:rPr lang="ru" sz="2400" dirty="0"/>
-              <a:t>Свойства грамматики:</a:t>
-            </a:r>
+              <a:rPr lang="ru" dirty="0"/>
+              <a:t>Свойства </a:t>
+            </a:r>
+            <a:r>
+              <a:rPr lang="ru" dirty="0" smtClean="0"/>
+              <a:t>грамматики</a:t>
+            </a:r>
+            <a:endParaRPr lang="ru" dirty="0"/>
           </a:p>
           <a:p>
             <a:pPr marL="457200" lvl="0" indent="-342900" rtl="0">
@@ -8665,7 +9188,7 @@
               </a:spcAft>
               <a:buNone/>
             </a:pPr>
-            <a:endParaRPr sz="1800" dirty="0"/>
+            <a:endParaRPr dirty="0"/>
           </a:p>
           <a:p>
             <a:pPr marL="400050" lvl="0" indent="-285750" rtl="0">
@@ -8703,7 +9226,19 @@
             </a:pPr>
             <a:r>
               <a:rPr lang="ru" sz="1800" dirty="0"/>
-              <a:t>S -&gt; AA    A -&gt; Bc    B -&gt; ab  :  Правило B не является полезным, поэтому правило А должно быть преобразовано в A -&gt; abc</a:t>
+              <a:t>S -&gt; AA    A -&gt; Bc    B -&gt; ab  :  </a:t>
+            </a:r>
+            <a:r>
+              <a:rPr lang="ru-RU" sz="1800" dirty="0"/>
+              <a:t>п</a:t>
+            </a:r>
+            <a:r>
+              <a:rPr lang="ru" sz="1800" dirty="0" smtClean="0"/>
+              <a:t>равило </a:t>
+            </a:r>
+            <a:r>
+              <a:rPr lang="ru" sz="1800" dirty="0"/>
+              <a:t>B не является полезным, поэтому правило А должно быть преобразовано в A -&gt; abc</a:t>
             </a:r>
           </a:p>
         </p:txBody>
@@ -8790,7 +9325,7 @@
         </p:nvSpPr>
         <p:spPr>
           <a:xfrm>
-            <a:off x="408225" y="1465150"/>
+            <a:off x="408225" y="1352136"/>
             <a:ext cx="8280900" cy="3084600"/>
           </a:xfrm>
           <a:prstGeom prst="rect">
@@ -8813,8 +9348,44 @@
               <a:buNone/>
             </a:pPr>
             <a:r>
-              <a:rPr lang="ru" dirty="0"/>
-              <a:t>1. S-&gt;a     2. S-&gt;ab    3. S-&gt;abc    4. S-&gt;abcd    5. S-&gt;abcda                                                  Новых правил не образовалось, т.к. нет повторяющихся диграмов                    6. S-&gt;abcdab	   :   S-&gt;AcdA  A-&gt;ab                                                                 Встретился повторяющийся диграм, добавляем новое правило                   7. S-&gt;AcdAc  A-&gt;ab   :   S-&gt;BdB  B-&gt;Ac  A-&gt;ab   :   S-&gt;BdB  B-&gt;abc                   Создали новое правило, но правило А стало бесполезным, поэтому избавляемся от него</a:t>
+              <a:rPr lang="ru" sz="1600" dirty="0" smtClean="0"/>
+              <a:t>1. S-</a:t>
+            </a:r>
+            <a:r>
+              <a:rPr lang="ru" sz="1600" dirty="0"/>
+              <a:t>&gt;a     2. S-&gt;ab    3. S-&gt;abc    4. S-&gt;abcd    5. S-&gt;abcda                                                  Новых правил не образовалось, т.к. нет повторяющихся диграмов                    </a:t>
+            </a:r>
+            <a:r>
+              <a:rPr lang="ru" sz="1600" dirty="0" smtClean="0"/>
+              <a:t>          6</a:t>
+            </a:r>
+            <a:r>
+              <a:rPr lang="ru" sz="1600" dirty="0"/>
+              <a:t>. S-&gt;abcdab	   :   S-&gt;AcdA  A-&gt;ab                                                                 Встретился повторяющийся диграм, добавляем новое правило                   </a:t>
+            </a:r>
+            <a:r>
+              <a:rPr lang="ru" sz="1600" dirty="0" smtClean="0"/>
+              <a:t>               7</a:t>
+            </a:r>
+            <a:r>
+              <a:rPr lang="ru" sz="1600" dirty="0"/>
+              <a:t>. S-&gt;AcdAc  A-&gt;ab   :   S-&gt;BdB  B-&gt;Ac  A-&gt;ab   :   S-&gt;BdB  B-&gt;abc                   </a:t>
+            </a:r>
+            <a:r>
+              <a:rPr lang="ru" sz="1600" dirty="0" smtClean="0"/>
+              <a:t>       Создали </a:t>
+            </a:r>
+            <a:r>
+              <a:rPr lang="ru" sz="1600" dirty="0"/>
+              <a:t>новое правило, но правило А стало бесполезным, поэтому </a:t>
+            </a:r>
+            <a:r>
+              <a:rPr lang="ru" sz="1600" dirty="0" smtClean="0"/>
+              <a:t>избавляемся от </a:t>
+            </a:r>
+            <a:r>
+              <a:rPr lang="ru" sz="1600" dirty="0"/>
+              <a:t>него</a:t>
             </a:r>
           </a:p>
         </p:txBody>
@@ -8827,8 +9398,8 @@
         </p:nvSpPr>
         <p:spPr>
           <a:xfrm>
-            <a:off x="408225" y="968050"/>
-            <a:ext cx="2309400" cy="497100"/>
+            <a:off x="408224" y="968050"/>
+            <a:ext cx="5468593" cy="497100"/>
           </a:xfrm>
           <a:prstGeom prst="rect">
             <a:avLst/>
@@ -8856,13 +9427,102 @@
               <a:buNone/>
             </a:pPr>
             <a:r>
-              <a:rPr lang="ru" sz="2400">
+              <a:rPr lang="ru" sz="1800" dirty="0" smtClean="0">
                 <a:solidFill>
-                  <a:schemeClr val="dk1"/>
+                  <a:schemeClr val="accent2">
+                    <a:lumMod val="75000"/>
+                    <a:lumOff val="25000"/>
+                  </a:schemeClr>
                 </a:solidFill>
               </a:rPr>
-              <a:t>“abcdabc”</a:t>
-            </a:r>
+              <a:t>Входные данные: “abcdabc</a:t>
+            </a:r>
+            <a:r>
+              <a:rPr lang="ru" sz="1800" dirty="0">
+                <a:solidFill>
+                  <a:schemeClr val="accent2">
+                    <a:lumMod val="75000"/>
+                    <a:lumOff val="25000"/>
+                  </a:schemeClr>
+                </a:solidFill>
+              </a:rPr>
+              <a:t>”</a:t>
+            </a:r>
+          </a:p>
+        </p:txBody>
+      </p:sp>
+      <p:sp>
+        <p:nvSpPr>
+          <p:cNvPr id="5" name="Shape 86"/>
+          <p:cNvSpPr txBox="1"/>
+          <p:nvPr/>
+        </p:nvSpPr>
+        <p:spPr>
+          <a:xfrm>
+            <a:off x="408224" y="4044350"/>
+            <a:ext cx="6362447" cy="497100"/>
+          </a:xfrm>
+          <a:prstGeom prst="rect">
+            <a:avLst/>
+          </a:prstGeom>
+          <a:noFill/>
+          <a:ln>
+            <a:noFill/>
+          </a:ln>
+        </p:spPr>
+        <p:txBody>
+          <a:bodyPr wrap="square" lIns="91425" tIns="91425" rIns="91425" bIns="91425" anchor="t" anchorCtr="0">
+            <a:noAutofit/>
+          </a:bodyPr>
+          <a:lstStyle/>
+          <a:p>
+            <a:pPr lvl="0">
+              <a:buClr>
+                <a:schemeClr val="dk1"/>
+              </a:buClr>
+              <a:buSzPct val="45833"/>
+            </a:pPr>
+            <a:r>
+              <a:rPr lang="ru" sz="1800" dirty="0" smtClean="0">
+                <a:solidFill>
+                  <a:schemeClr val="accent2">
+                    <a:lumMod val="75000"/>
+                    <a:lumOff val="25000"/>
+                  </a:schemeClr>
+                </a:solidFill>
+              </a:rPr>
+              <a:t>Результат алгоритма: </a:t>
+            </a:r>
+            <a:r>
+              <a:rPr lang="ru" sz="1800" dirty="0" smtClean="0">
+                <a:solidFill>
+                  <a:schemeClr val="accent2">
+                    <a:lumMod val="75000"/>
+                    <a:lumOff val="25000"/>
+                  </a:schemeClr>
+                </a:solidFill>
+              </a:rPr>
+              <a:t>S-</a:t>
+            </a:r>
+            <a:r>
+              <a:rPr lang="ru" sz="1800" dirty="0">
+                <a:solidFill>
+                  <a:schemeClr val="accent2">
+                    <a:lumMod val="75000"/>
+                    <a:lumOff val="25000"/>
+                  </a:schemeClr>
+                </a:solidFill>
+              </a:rPr>
+              <a:t>&gt;BdB  B-&gt;abc</a:t>
+            </a:r>
+            <a:endParaRPr lang="ru" sz="1800" dirty="0">
+              <a:solidFill>
+                <a:schemeClr val="accent2">
+                  <a:lumMod val="75000"/>
+                  <a:lumOff val="25000"/>
+                </a:schemeClr>
+              </a:solidFill>
+            </a:endParaRPr>
           </a:p>
         </p:txBody>
       </p:sp>
@@ -9015,16 +9675,29 @@
           </a:p>
           <a:p>
             <a:pPr marL="914400" lvl="1" indent="-342900">
-              <a:spcBef>
-                <a:spcPts val="0"/>
-              </a:spcBef>
               <a:buSzPct val="100000"/>
               <a:buFont typeface="Arial" panose="020B0604020202020204" pitchFamily="34" charset="0"/>
               <a:buChar char="•"/>
             </a:pPr>
             <a:r>
               <a:rPr lang="ru" sz="1800" dirty="0"/>
-              <a:t>конкатенация (A,B)</a:t>
+              <a:t>конкатенация (</a:t>
+            </a:r>
+            <a:r>
+              <a:rPr lang="ru" sz="1800" dirty="0" smtClean="0"/>
+              <a:t>A</a:t>
+            </a:r>
+            <a:r>
+              <a:rPr lang="ru-RU" sz="1800" dirty="0" smtClean="0"/>
+              <a:t>·</a:t>
+            </a:r>
+            <a:r>
+              <a:rPr lang="ru" sz="1800" dirty="0" smtClean="0"/>
+              <a:t>B</a:t>
+            </a:r>
+            <a:r>
+              <a:rPr lang="ru" sz="1800" dirty="0"/>
+              <a:t>)</a:t>
             </a:r>
           </a:p>
         </p:txBody>
@@ -9101,107 +9774,158 @@
       </p:sp>
       <p:sp>
         <p:nvSpPr>
-          <p:cNvPr id="98" name="Shape 98"/>
-          <p:cNvSpPr txBox="1">
-            <a:spLocks noGrp="1"/>
-          </p:cNvSpPr>
-          <p:nvPr>
-            <p:ph type="body" idx="1"/>
-          </p:nvPr>
+          <p:cNvPr id="2" name="Прямоугольник 1"/>
+          <p:cNvSpPr/>
+          <p:nvPr/>
         </p:nvSpPr>
         <p:spPr>
           <a:xfrm>
-            <a:off x="311700" y="1152475"/>
-            <a:ext cx="8520600" cy="3416400"/>
+            <a:off x="311700" y="1253446"/>
+            <a:ext cx="8520600" cy="2523768"/>
           </a:xfrm>
           <a:prstGeom prst="rect">
             <a:avLst/>
           </a:prstGeom>
         </p:spPr>
         <p:txBody>
-          <a:bodyPr wrap="square" lIns="91425" tIns="91425" rIns="91425" bIns="91425" anchor="t" anchorCtr="0">
-            <a:noAutofit/>
+          <a:bodyPr wrap="square">
+            <a:spAutoFit/>
           </a:bodyPr>
           <a:lstStyle/>
           <a:p>
-            <a:pPr marL="457200" lvl="0" indent="-342900" rtl="0">
-              <a:lnSpc>
-                <a:spcPct val="100000"/>
-              </a:lnSpc>
-              <a:spcBef>
-                <a:spcPts val="0"/>
-              </a:spcBef>
+            <a:pPr lvl="1" fontAlgn="base">
+              <a:spcAft>
+                <a:spcPts val="1200"/>
+              </a:spcAft>
               <a:buFont typeface="Arial" panose="020B0604020202020204" pitchFamily="34" charset="0"/>
               <a:buChar char="•"/>
             </a:pPr>
             <a:r>
-              <a:rPr lang="ru" dirty="0"/>
-              <a:t>Выбор структуры данных для описания грамматики - двусвязный список</a:t>
-            </a:r>
-          </a:p>
-          <a:p>
-            <a:pPr marL="457200" lvl="0" indent="-342900" rtl="0">
-              <a:lnSpc>
-                <a:spcPct val="100000"/>
-              </a:lnSpc>
-              <a:spcBef>
-                <a:spcPts val="0"/>
-              </a:spcBef>
+              <a:rPr lang="ru-RU" sz="1800" dirty="0" smtClean="0">
+                <a:solidFill>
+                  <a:srgbClr val="595959"/>
+                </a:solidFill>
+                <a:latin typeface="Arial" panose="020B0604020202020204" pitchFamily="34" charset="0"/>
+              </a:rPr>
+              <a:t>    Выбор </a:t>
+            </a:r>
+            <a:r>
+              <a:rPr lang="ru-RU" sz="1800" dirty="0">
+                <a:solidFill>
+                  <a:srgbClr val="595959"/>
+                </a:solidFill>
+                <a:latin typeface="Arial" panose="020B0604020202020204" pitchFamily="34" charset="0"/>
+              </a:rPr>
+              <a:t>структуры данных для описания грамматики – двусвязный список</a:t>
+            </a:r>
+          </a:p>
+          <a:p>
+            <a:pPr marL="742950" lvl="1" indent="-285750" fontAlgn="base">
+              <a:spcAft>
+                <a:spcPts val="1200"/>
+              </a:spcAft>
               <a:buFont typeface="Arial" panose="020B0604020202020204" pitchFamily="34" charset="0"/>
               <a:buChar char="•"/>
             </a:pPr>
             <a:r>
-              <a:rPr lang="ru" dirty="0"/>
-              <a:t>Основная функция реализации - обработка стека диграм</a:t>
-            </a:r>
-          </a:p>
-          <a:p>
-            <a:pPr marL="457200" lvl="0" indent="-342900" rtl="0">
-              <a:lnSpc>
-                <a:spcPct val="100000"/>
-              </a:lnSpc>
-              <a:spcBef>
-                <a:spcPts val="0"/>
-              </a:spcBef>
+              <a:rPr lang="ru-RU" sz="1800" dirty="0">
+                <a:solidFill>
+                  <a:srgbClr val="595959"/>
+                </a:solidFill>
+                <a:latin typeface="Arial" panose="020B0604020202020204" pitchFamily="34" charset="0"/>
+              </a:rPr>
+              <a:t>добавление нового символа в правило</a:t>
+            </a:r>
+          </a:p>
+          <a:p>
+            <a:pPr marL="742950" lvl="1" indent="-285750" fontAlgn="base">
+              <a:spcAft>
+                <a:spcPts val="1800"/>
+              </a:spcAft>
               <a:buFont typeface="Arial" panose="020B0604020202020204" pitchFamily="34" charset="0"/>
               <a:buChar char="•"/>
             </a:pPr>
             <a:r>
-              <a:rPr lang="ru" dirty="0"/>
-              <a:t>Модификация алгоритма для сжатия нескольких строк:  обрабатываются только диграмы, не содержащие специальный символ</a:t>
-            </a:r>
-          </a:p>
-          <a:p>
-            <a:pPr marL="457200" lvl="0" indent="-342900" rtl="0">
-              <a:lnSpc>
-                <a:spcPct val="100000"/>
-              </a:lnSpc>
-              <a:spcBef>
-                <a:spcPts val="0"/>
-              </a:spcBef>
+              <a:rPr lang="ru-RU" sz="1800" dirty="0">
+                <a:solidFill>
+                  <a:srgbClr val="595959"/>
+                </a:solidFill>
+                <a:latin typeface="Arial" panose="020B0604020202020204" pitchFamily="34" charset="0"/>
+              </a:rPr>
+              <a:t>замена двух символов на </a:t>
+            </a:r>
+            <a:r>
+              <a:rPr lang="ru-RU" sz="1800" dirty="0" err="1">
+                <a:solidFill>
+                  <a:srgbClr val="595959"/>
+                </a:solidFill>
+                <a:latin typeface="Arial" panose="020B0604020202020204" pitchFamily="34" charset="0"/>
+              </a:rPr>
+              <a:t>нетерминал</a:t>
+            </a:r>
+            <a:endParaRPr lang="ru-RU" sz="1800" dirty="0">
+              <a:solidFill>
+                <a:srgbClr val="595959"/>
+              </a:solidFill>
+              <a:latin typeface="Arial" panose="020B0604020202020204" pitchFamily="34" charset="0"/>
+            </a:endParaRPr>
+          </a:p>
+          <a:p>
+            <a:pPr fontAlgn="base">
+              <a:spcAft>
+                <a:spcPts val="1800"/>
+              </a:spcAft>
               <a:buFont typeface="Arial" panose="020B0604020202020204" pitchFamily="34" charset="0"/>
               <a:buChar char="•"/>
             </a:pPr>
             <a:r>
-              <a:rPr lang="ru" dirty="0"/>
-              <a:t>Представление в YARD.IL - построение грамматики с помощью конструкторов PAlt, PSeq, PRef и PTok</a:t>
-            </a:r>
-          </a:p>
-          <a:p>
-            <a:pPr marL="457200" lvl="0" indent="-342900" rtl="0">
-              <a:lnSpc>
-                <a:spcPct val="100000"/>
-              </a:lnSpc>
-              <a:spcBef>
-                <a:spcPts val="0"/>
-              </a:spcBef>
-              <a:buFont typeface="Arial" panose="020B0604020202020204" pitchFamily="34" charset="0"/>
-              <a:buChar char="•"/>
+              <a:rPr lang="ru-RU" sz="1800" dirty="0" smtClean="0">
+                <a:solidFill>
+                  <a:srgbClr val="595959"/>
+                </a:solidFill>
+                <a:latin typeface="Arial" panose="020B0604020202020204" pitchFamily="34" charset="0"/>
+              </a:rPr>
+              <a:t>    Основная </a:t>
+            </a:r>
+            <a:r>
+              <a:rPr lang="ru-RU" sz="1800" dirty="0">
+                <a:solidFill>
+                  <a:srgbClr val="595959"/>
+                </a:solidFill>
+                <a:latin typeface="Arial" panose="020B0604020202020204" pitchFamily="34" charset="0"/>
+              </a:rPr>
+              <a:t>функция реализации – обработка стека </a:t>
+            </a:r>
+            <a:r>
+              <a:rPr lang="ru-RU" sz="1800" dirty="0" err="1">
+                <a:solidFill>
+                  <a:srgbClr val="595959"/>
+                </a:solidFill>
+                <a:latin typeface="Arial" panose="020B0604020202020204" pitchFamily="34" charset="0"/>
+              </a:rPr>
+              <a:t>диграм</a:t>
+            </a:r>
+            <a:endParaRPr lang="ru-RU" sz="1800" dirty="0">
+              <a:solidFill>
+                <a:srgbClr val="595959"/>
+              </a:solidFill>
+              <a:latin typeface="Arial" panose="020B0604020202020204" pitchFamily="34" charset="0"/>
+            </a:endParaRPr>
+          </a:p>
+          <a:p>
+            <a:pPr>
+              <a:spcAft>
+                <a:spcPts val="1200"/>
+              </a:spcAft>
             </a:pPr>
             <a:r>
-              <a:rPr lang="ru" dirty="0"/>
-              <a:t>Оформление фронтенда к YaccConstructor - возможность сжать строку, строку со специальными символами и массив строк</a:t>
-            </a:r>
+              <a:rPr lang="ru-RU" sz="1800" dirty="0"/>
+              <a:t/>
+            </a:r>
+            <a:br>
+              <a:rPr lang="ru-RU" sz="1800" dirty="0"/>
+            </a:br>
+            <a:endParaRPr lang="ru-RU" sz="1800" dirty="0"/>
           </a:p>
         </p:txBody>
       </p:sp>
@@ -9225,7 +9949,7 @@
   <p:cSld>
     <p:spTree>
       <p:nvGrpSpPr>
-        <p:cNvPr id="1" name="Shape 102"/>
+        <p:cNvPr id="1" name=""/>
         <p:cNvGrpSpPr/>
         <p:nvPr/>
       </p:nvGrpSpPr>
@@ -9239,18 +9963,41 @@
       </p:grpSpPr>
       <p:sp>
         <p:nvSpPr>
-          <p:cNvPr id="103" name="Shape 103"/>
-          <p:cNvSpPr txBox="1">
+          <p:cNvPr id="2" name="Заголовок 1"/>
+          <p:cNvSpPr>
             <a:spLocks noGrp="1"/>
           </p:cNvSpPr>
           <p:nvPr>
             <p:ph type="title"/>
           </p:nvPr>
         </p:nvSpPr>
+        <p:spPr/>
+        <p:txBody>
+          <a:bodyPr/>
+          <a:lstStyle/>
+          <a:p>
+            <a:r>
+              <a:rPr lang="ru-RU" dirty="0" smtClean="0"/>
+              <a:t>Реализация</a:t>
+            </a:r>
+            <a:endParaRPr lang="ru-RU" dirty="0"/>
+          </a:p>
+        </p:txBody>
+      </p:sp>
+      <p:sp>
+        <p:nvSpPr>
+          <p:cNvPr id="6" name="Shape 92"/>
+          <p:cNvSpPr txBox="1">
+            <a:spLocks noGrp="1"/>
+          </p:cNvSpPr>
+          <p:nvPr>
+            <p:ph type="body" idx="1"/>
+          </p:nvPr>
+        </p:nvSpPr>
         <p:spPr>
           <a:xfrm>
-            <a:off x="311700" y="445025"/>
-            <a:ext cx="8520600" cy="572700"/>
+            <a:off x="311699" y="1070283"/>
+            <a:ext cx="8832301" cy="3416400"/>
           </a:xfrm>
           <a:prstGeom prst="rect">
             <a:avLst/>
@@ -9262,106 +10009,291 @@
           </a:bodyPr>
           <a:lstStyle/>
           <a:p>
-            <a:pPr lvl="0">
-              <a:spcBef>
-                <a:spcPts val="0"/>
-              </a:spcBef>
-              <a:buNone/>
-            </a:pPr>
-            <a:r>
-              <a:rPr lang="ru"/>
-              <a:t>Эксперимент</a:t>
-            </a:r>
-          </a:p>
-        </p:txBody>
-      </p:sp>
-      <p:sp>
-        <p:nvSpPr>
-          <p:cNvPr id="104" name="Shape 104"/>
-          <p:cNvSpPr txBox="1">
-            <a:spLocks noGrp="1"/>
-          </p:cNvSpPr>
-          <p:nvPr>
-            <p:ph type="body" idx="1"/>
-          </p:nvPr>
-        </p:nvSpPr>
-        <p:spPr>
-          <a:xfrm>
-            <a:off x="311700" y="1152475"/>
-            <a:ext cx="8520600" cy="3416400"/>
-          </a:xfrm>
-          <a:prstGeom prst="rect">
-            <a:avLst/>
-          </a:prstGeom>
-        </p:spPr>
-        <p:txBody>
-          <a:bodyPr wrap="square" lIns="91425" tIns="91425" rIns="91425" bIns="91425" anchor="t" anchorCtr="0">
-            <a:noAutofit/>
-          </a:bodyPr>
-          <a:lstStyle/>
-          <a:p>
             <a:pPr marL="457200" lvl="0" indent="-342900">
-              <a:spcBef>
-                <a:spcPts val="0"/>
-              </a:spcBef>
+              <a:lnSpc>
+                <a:spcPct val="100000"/>
+              </a:lnSpc>
+              <a:spcAft>
+                <a:spcPts val="1200"/>
+              </a:spcAft>
               <a:buFont typeface="Arial" panose="020B0604020202020204" pitchFamily="34" charset="0"/>
               <a:buChar char="•"/>
             </a:pPr>
             <a:r>
-              <a:rPr lang="ru" dirty="0"/>
-              <a:t>Для проверки эффективности решения из SILVA database была взята последовательность 16s РНК бактерий</a:t>
-            </a:r>
-          </a:p>
-          <a:p>
-            <a:pPr marL="457200" lvl="0" indent="-342900">
-              <a:spcBef>
-                <a:spcPts val="0"/>
-              </a:spcBef>
+              <a:rPr lang="ru-RU" dirty="0"/>
+              <a:t>Модификация алгоритма для сжатия нескольких строк:  обрабатываются только </a:t>
+            </a:r>
+            <a:r>
+              <a:rPr lang="ru-RU" dirty="0" err="1"/>
+              <a:t>диграмы</a:t>
+            </a:r>
+            <a:r>
+              <a:rPr lang="ru-RU" dirty="0"/>
+              <a:t>, не содержащие специальный </a:t>
+            </a:r>
+            <a:r>
+              <a:rPr lang="ru-RU" dirty="0" smtClean="0"/>
+              <a:t>символ</a:t>
+            </a:r>
+            <a:endParaRPr lang="ru" dirty="0"/>
+          </a:p>
+          <a:p>
+            <a:pPr marL="914400" lvl="1" indent="-342900">
+              <a:lnSpc>
+                <a:spcPct val="100000"/>
+              </a:lnSpc>
+              <a:spcAft>
+                <a:spcPts val="1200"/>
+              </a:spcAft>
+              <a:buSzPct val="100000"/>
               <a:buFont typeface="Arial" panose="020B0604020202020204" pitchFamily="34" charset="0"/>
               <a:buChar char="•"/>
             </a:pPr>
             <a:r>
-              <a:rPr lang="ru" dirty="0"/>
-              <a:t>Каждая цепочка состоит примерно из 1500 нуклеотидов, то есть последовательность символов из алфавита {A; C; G; T}</a:t>
-            </a:r>
+              <a:rPr lang="ru-RU" sz="1800" dirty="0" smtClean="0"/>
+              <a:t>Для строки </a:t>
+            </a:r>
+            <a:r>
+              <a:rPr lang="en-US" sz="1800" dirty="0" err="1" smtClean="0"/>
+              <a:t>ab&amp;ac&amp;ab&amp;ac</a:t>
+            </a:r>
+            <a:r>
+              <a:rPr lang="en-US" sz="1800" dirty="0" smtClean="0"/>
+              <a:t> </a:t>
+            </a:r>
+            <a:r>
+              <a:rPr lang="ru-RU" sz="1800" dirty="0" smtClean="0"/>
+              <a:t>результат будет </a:t>
+            </a:r>
+            <a:r>
+              <a:rPr lang="en-US" sz="1800" dirty="0" smtClean="0"/>
+              <a:t>A&amp;B&amp;A&amp;B</a:t>
+            </a:r>
+            <a:r>
+              <a:rPr lang="ru-RU" sz="1800" dirty="0" smtClean="0"/>
+              <a:t> </a:t>
+            </a:r>
+            <a:r>
+              <a:rPr lang="en-US" sz="1800" dirty="0" smtClean="0"/>
+              <a:t>A-&gt;ab B-&gt;ac</a:t>
+            </a:r>
+            <a:endParaRPr lang="ru-RU" dirty="0" smtClean="0"/>
           </a:p>
           <a:p>
             <a:pPr marL="457200" lvl="0" indent="-342900">
-              <a:spcBef>
-                <a:spcPts val="0"/>
-              </a:spcBef>
+              <a:lnSpc>
+                <a:spcPct val="100000"/>
+              </a:lnSpc>
+              <a:spcAft>
+                <a:spcPts val="1200"/>
+              </a:spcAft>
               <a:buFont typeface="Arial" panose="020B0604020202020204" pitchFamily="34" charset="0"/>
               <a:buChar char="•"/>
             </a:pPr>
             <a:r>
-              <a:rPr lang="ru" dirty="0"/>
-              <a:t>Данные последовательности были склеены через специальный символом &amp; и переданы на вход алгоритму.</a:t>
-            </a:r>
-          </a:p>
-          <a:p>
-            <a:pPr marL="285750" lvl="0" indent="-285750">
-              <a:spcBef>
-                <a:spcPts val="0"/>
-              </a:spcBef>
+              <a:rPr lang="ru-RU" dirty="0"/>
+              <a:t>Представление в YARD.IL </a:t>
+            </a:r>
+            <a:r>
+              <a:rPr lang="ru-RU" dirty="0" smtClean="0"/>
+              <a:t>– </a:t>
+            </a:r>
+            <a:r>
+              <a:rPr lang="ru-RU" dirty="0"/>
+              <a:t>построение грамматики с помощью </a:t>
+            </a:r>
+            <a:r>
+              <a:rPr lang="ru-RU" dirty="0" smtClean="0"/>
+              <a:t>конструкторов</a:t>
+            </a:r>
+            <a:endParaRPr lang="ru" sz="1800" dirty="0"/>
+          </a:p>
+          <a:p>
+            <a:pPr marL="914400" lvl="1" indent="-342900">
+              <a:lnSpc>
+                <a:spcPct val="100000"/>
+              </a:lnSpc>
+              <a:spcAft>
+                <a:spcPts val="1200"/>
+              </a:spcAft>
+              <a:buSzPct val="100000"/>
               <a:buFont typeface="Arial" panose="020B0604020202020204" pitchFamily="34" charset="0"/>
               <a:buChar char="•"/>
             </a:pPr>
-            <a:endParaRPr dirty="0"/>
+            <a:r>
+              <a:rPr lang="en-US" sz="1800" dirty="0" err="1"/>
+              <a:t>PTok</a:t>
+            </a:r>
+            <a:r>
+              <a:rPr lang="en-US" sz="1800" dirty="0"/>
+              <a:t> – </a:t>
+            </a:r>
+            <a:r>
+              <a:rPr lang="ru-RU" sz="1800" dirty="0"/>
+              <a:t>для описания терминалов </a:t>
+            </a:r>
+            <a:r>
+              <a:rPr lang="en-US" sz="1800" dirty="0" err="1"/>
+              <a:t>PTok</a:t>
+            </a:r>
+            <a:r>
+              <a:rPr lang="en-US" sz="1800" dirty="0"/>
+              <a:t>(a)</a:t>
+            </a:r>
+            <a:endParaRPr lang="ru" sz="1800" dirty="0"/>
+          </a:p>
+          <a:p>
+            <a:pPr marL="914400" lvl="1" indent="-342900">
+              <a:lnSpc>
+                <a:spcPct val="100000"/>
+              </a:lnSpc>
+              <a:spcAft>
+                <a:spcPts val="1200"/>
+              </a:spcAft>
+              <a:buSzPct val="100000"/>
+              <a:buFont typeface="Arial" panose="020B0604020202020204" pitchFamily="34" charset="0"/>
+              <a:buChar char="•"/>
+            </a:pPr>
+            <a:r>
+              <a:rPr lang="en-US" sz="1800" dirty="0" err="1"/>
+              <a:t>PRef</a:t>
+            </a:r>
+            <a:r>
+              <a:rPr lang="en-US" sz="1800" dirty="0"/>
+              <a:t> – </a:t>
+            </a:r>
+            <a:r>
+              <a:rPr lang="ru-RU" sz="1800" dirty="0"/>
+              <a:t>для описания </a:t>
+            </a:r>
+            <a:r>
+              <a:rPr lang="ru-RU" sz="1800" dirty="0" err="1"/>
+              <a:t>нетерминалов</a:t>
+            </a:r>
+            <a:r>
+              <a:rPr lang="ru-RU" sz="1800" dirty="0"/>
+              <a:t> </a:t>
+            </a:r>
+            <a:r>
+              <a:rPr lang="en-US" sz="1800" dirty="0" err="1"/>
+              <a:t>PRef</a:t>
+            </a:r>
+            <a:r>
+              <a:rPr lang="en-US" sz="1800" dirty="0"/>
+              <a:t>(A)</a:t>
+            </a:r>
+          </a:p>
+          <a:p>
+            <a:pPr marL="914400" lvl="1" indent="-342900">
+              <a:lnSpc>
+                <a:spcPct val="100000"/>
+              </a:lnSpc>
+              <a:spcAft>
+                <a:spcPts val="1200"/>
+              </a:spcAft>
+              <a:buSzPct val="100000"/>
+              <a:buFont typeface="Arial" panose="020B0604020202020204" pitchFamily="34" charset="0"/>
+              <a:buChar char="•"/>
+            </a:pPr>
+            <a:r>
+              <a:rPr lang="en-US" sz="1800" dirty="0" err="1"/>
+              <a:t>PSeq</a:t>
+            </a:r>
+            <a:r>
+              <a:rPr lang="en-US" sz="1800" dirty="0"/>
+              <a:t> – </a:t>
+            </a:r>
+            <a:r>
+              <a:rPr lang="ru-RU" sz="1800" dirty="0"/>
+              <a:t>для описания последовательностей </a:t>
+            </a:r>
+            <a:r>
+              <a:rPr lang="en-US" sz="1800" dirty="0" err="1"/>
+              <a:t>PSeq</a:t>
+            </a:r>
+            <a:r>
+              <a:rPr lang="en-US" sz="1800" dirty="0" smtClean="0"/>
+              <a:t>([</a:t>
+            </a:r>
+            <a:r>
+              <a:rPr lang="en-US" sz="1800" dirty="0" err="1" smtClean="0"/>
+              <a:t>PTok</a:t>
+            </a:r>
+            <a:r>
+              <a:rPr lang="en-US" sz="1800" dirty="0" smtClean="0"/>
+              <a:t>(a); </a:t>
+            </a:r>
+            <a:r>
+              <a:rPr lang="en-US" sz="1800" dirty="0" err="1" smtClean="0"/>
+              <a:t>PTok</a:t>
+            </a:r>
+            <a:r>
+              <a:rPr lang="en-US" sz="1800" dirty="0" smtClean="0"/>
+              <a:t>(b)])    </a:t>
+            </a:r>
+            <a:endParaRPr lang="en-US" sz="1800" dirty="0"/>
+          </a:p>
+          <a:p>
+            <a:pPr marL="914400" lvl="1" indent="-342900">
+              <a:lnSpc>
+                <a:spcPct val="100000"/>
+              </a:lnSpc>
+              <a:spcAft>
+                <a:spcPts val="1200"/>
+              </a:spcAft>
+              <a:buSzPct val="100000"/>
+              <a:buFont typeface="Arial" panose="020B0604020202020204" pitchFamily="34" charset="0"/>
+              <a:buChar char="•"/>
+            </a:pPr>
+            <a:r>
+              <a:rPr lang="en-US" sz="1800" dirty="0" err="1" smtClean="0"/>
+              <a:t>PAlt</a:t>
+            </a:r>
+            <a:r>
+              <a:rPr lang="en-US" sz="1800" dirty="0" smtClean="0"/>
+              <a:t> – </a:t>
+            </a:r>
+            <a:r>
+              <a:rPr lang="ru-RU" sz="1800" dirty="0" smtClean="0"/>
+              <a:t>для разделения по специальным символам </a:t>
+            </a:r>
+            <a:r>
+              <a:rPr lang="en-US" sz="1800" dirty="0" err="1" smtClean="0"/>
+              <a:t>PAlt</a:t>
+            </a:r>
+            <a:r>
+              <a:rPr lang="en-US" sz="1800" dirty="0" smtClean="0"/>
+              <a:t>(</a:t>
+            </a:r>
+            <a:r>
+              <a:rPr lang="en-US" sz="1800" dirty="0" err="1" smtClean="0"/>
+              <a:t>PRef</a:t>
+            </a:r>
+            <a:r>
+              <a:rPr lang="en-US" sz="1800" dirty="0" smtClean="0"/>
+              <a:t>(A), </a:t>
+            </a:r>
+            <a:r>
+              <a:rPr lang="en-US" sz="1800" dirty="0" err="1" smtClean="0"/>
+              <a:t>PAlt</a:t>
+            </a:r>
+            <a:r>
+              <a:rPr lang="en-US" sz="1800" dirty="0" smtClean="0"/>
+              <a:t>(..))</a:t>
+            </a:r>
           </a:p>
         </p:txBody>
       </p:sp>
     </p:spTree>
+    <p:extLst>
+      <p:ext uri="{BB962C8B-B14F-4D97-AF65-F5344CB8AC3E}">
+        <p14:creationId xmlns:p14="http://schemas.microsoft.com/office/powerpoint/2010/main" val="667502196"/>
+      </p:ext>
+    </p:extLst>
   </p:cSld>
   <p:clrMapOvr>
     <a:masterClrMapping/>
   </p:clrMapOvr>
-  <p:timing>
-    <p:tnLst>
-      <p:par>
-        <p:cTn id="1" dur="indefinite" restart="never" nodeType="tmRoot"/>
-      </p:par>
-    </p:tnLst>
-  </p:timing>
 </p:sld>
 </file>
 
